--- a/관리산출물/프로젝트_최종결과보고서/1팀_최종결과보고서.pptx
+++ b/관리산출물/프로젝트_최종결과보고서/1팀_최종결과보고서.pptx
@@ -4962,8 +4962,8 @@
           <a:lstStyle/>
           <a:p>
             <a:r>
-              <a:rPr lang="ko-KR" altLang="en-US" dirty="0"/>
-              <a:t>개발 어플리케이션 이름</a:t>
+              <a:rPr lang="en-US" altLang="ko-KR" dirty="0"/>
+              <a:t>Trip-Picker</a:t>
             </a:r>
             <a:br>
               <a:rPr lang="en-US" altLang="ko-KR" dirty="0"/>

--- a/관리산출물/프로젝트_최종결과보고서/1팀_최종결과보고서.pptx
+++ b/관리산출물/프로젝트_최종결과보고서/1팀_최종결과보고서.pptx
@@ -5,10 +5,10 @@
     <p:sldMasterId id="2147483648" r:id="rId1"/>
   </p:sldMasterIdLst>
   <p:notesMasterIdLst>
-    <p:notesMasterId r:id="rId38"/>
+    <p:notesMasterId r:id="rId37"/>
   </p:notesMasterIdLst>
   <p:handoutMasterIdLst>
-    <p:handoutMasterId r:id="rId39"/>
+    <p:handoutMasterId r:id="rId38"/>
   </p:handoutMasterIdLst>
   <p:sldIdLst>
     <p:sldId id="256" r:id="rId2"/>
@@ -37,16 +37,15 @@
     <p:sldId id="388" r:id="rId25"/>
     <p:sldId id="333" r:id="rId26"/>
     <p:sldId id="387" r:id="rId27"/>
-    <p:sldId id="339" r:id="rId28"/>
-    <p:sldId id="341" r:id="rId29"/>
-    <p:sldId id="340" r:id="rId30"/>
-    <p:sldId id="385" r:id="rId31"/>
-    <p:sldId id="343" r:id="rId32"/>
-    <p:sldId id="380" r:id="rId33"/>
-    <p:sldId id="344" r:id="rId34"/>
-    <p:sldId id="386" r:id="rId35"/>
-    <p:sldId id="345" r:id="rId36"/>
-    <p:sldId id="348" r:id="rId37"/>
+    <p:sldId id="341" r:id="rId28"/>
+    <p:sldId id="340" r:id="rId29"/>
+    <p:sldId id="385" r:id="rId30"/>
+    <p:sldId id="343" r:id="rId31"/>
+    <p:sldId id="380" r:id="rId32"/>
+    <p:sldId id="344" r:id="rId33"/>
+    <p:sldId id="386" r:id="rId34"/>
+    <p:sldId id="345" r:id="rId35"/>
+    <p:sldId id="348" r:id="rId36"/>
   </p:sldIdLst>
   <p:sldSz cx="9144000" cy="6858000" type="screen4x3"/>
   <p:notesSz cx="6797675" cy="9928225"/>
@@ -16280,106 +16279,6 @@
       </p:sp>
       <p:sp>
         <p:nvSpPr>
-          <p:cNvPr id="3" name="내용 개체 틀 2">
-            <a:extLst>
-              <a:ext uri="{FF2B5EF4-FFF2-40B4-BE49-F238E27FC236}">
-                <a16:creationId xmlns:a16="http://schemas.microsoft.com/office/drawing/2014/main" id="{DF21F1EF-F7C8-4E4F-A2E8-B2B0C9C56E0C}"/>
-              </a:ext>
-            </a:extLst>
-          </p:cNvPr>
-          <p:cNvSpPr>
-            <a:spLocks noGrp="1"/>
-          </p:cNvSpPr>
-          <p:nvPr>
-            <p:ph idx="1"/>
-          </p:nvPr>
-        </p:nvSpPr>
-        <p:spPr>
-          <a:xfrm>
-            <a:off x="9540552" y="1988840"/>
-            <a:ext cx="8229600" cy="4968552"/>
-          </a:xfrm>
-        </p:spPr>
-        <p:txBody>
-          <a:bodyPr/>
-          <a:lstStyle/>
-          <a:p>
-            <a:r>
-              <a:rPr lang="ko-KR" altLang="en-US" dirty="0"/>
-              <a:t>추천 알고리즘</a:t>
-            </a:r>
-            <a:r>
-              <a:rPr lang="en-US" altLang="ko-KR" dirty="0"/>
-              <a:t>(Survey</a:t>
-            </a:r>
-            <a:r>
-              <a:rPr lang="ko-KR" altLang="en-US" dirty="0"/>
-              <a:t>내용은 제외하고</a:t>
-            </a:r>
-            <a:r>
-              <a:rPr lang="en-US" altLang="ko-KR" dirty="0"/>
-              <a:t>, </a:t>
-            </a:r>
-            <a:r>
-              <a:rPr lang="ko-KR" altLang="en-US" dirty="0"/>
-              <a:t>선택된 방식을 어플리케이션에 어떤 식으로 적용할지에 대한 결정사항과 관련된 </a:t>
-            </a:r>
-            <a:r>
-              <a:rPr lang="en-US" altLang="ko-KR" dirty="0"/>
-              <a:t>slide</a:t>
-            </a:r>
-            <a:r>
-              <a:rPr lang="ko-KR" altLang="en-US" dirty="0"/>
-              <a:t>만 </a:t>
-            </a:r>
-            <a:r>
-              <a:rPr lang="en-US" altLang="ko-KR" dirty="0"/>
-              <a:t>attach)</a:t>
-            </a:r>
-          </a:p>
-          <a:p>
-            <a:r>
-              <a:rPr lang="en-US" altLang="ko-KR" dirty="0"/>
-              <a:t>3</a:t>
-            </a:r>
-            <a:r>
-              <a:rPr lang="ko-KR" altLang="en-US" dirty="0"/>
-              <a:t>팀의 경우</a:t>
-            </a:r>
-            <a:r>
-              <a:rPr lang="en-US" altLang="ko-KR" dirty="0"/>
-              <a:t>, </a:t>
-            </a:r>
-            <a:r>
-              <a:rPr lang="ko-KR" altLang="en-US" dirty="0"/>
-              <a:t>어플리케이션 </a:t>
-            </a:r>
-            <a:r>
-              <a:rPr lang="ko-KR" altLang="en-US" dirty="0" err="1"/>
-              <a:t>설계시</a:t>
-            </a:r>
-            <a:r>
-              <a:rPr lang="ko-KR" altLang="en-US" dirty="0"/>
-              <a:t> 주요 결정사항이 있었다면 그 내용을 기술하거나</a:t>
-            </a:r>
-            <a:r>
-              <a:rPr lang="en-US" altLang="ko-KR" dirty="0"/>
-              <a:t>.. </a:t>
-            </a:r>
-            <a:r>
-              <a:rPr lang="ko-KR" altLang="en-US" dirty="0"/>
-              <a:t>없을 경우 하지 않아도 됨</a:t>
-            </a:r>
-            <a:r>
-              <a:rPr lang="en-US" altLang="ko-KR" dirty="0"/>
-              <a:t>.</a:t>
-            </a:r>
-            <a:endParaRPr lang="ko-KR" altLang="en-US" dirty="0"/>
-          </a:p>
-        </p:txBody>
-      </p:sp>
-      <p:sp>
-        <p:nvSpPr>
           <p:cNvPr id="4" name="슬라이드 번호 개체 틀 3">
             <a:extLst>
               <a:ext uri="{FF2B5EF4-FFF2-40B4-BE49-F238E27FC236}">
@@ -16816,7 +16715,7 @@
         </p:blipFill>
         <p:spPr>
           <a:xfrm>
-            <a:off x="909936" y="1862316"/>
+            <a:off x="827584" y="2132856"/>
             <a:ext cx="7344816" cy="4032448"/>
           </a:xfrm>
           <a:prstGeom prst="rect">
@@ -16856,124 +16755,6 @@
       </p:grpSpPr>
       <p:sp>
         <p:nvSpPr>
-          <p:cNvPr id="2" name="제목 1"/>
-          <p:cNvSpPr>
-            <a:spLocks noGrp="1"/>
-          </p:cNvSpPr>
-          <p:nvPr>
-            <p:ph type="title"/>
-          </p:nvPr>
-        </p:nvSpPr>
-        <p:spPr/>
-        <p:txBody>
-          <a:bodyPr/>
-          <a:lstStyle/>
-          <a:p>
-            <a:r>
-              <a:rPr lang="en-US" altLang="ko-KR" dirty="0"/>
-              <a:t>Use Case</a:t>
-            </a:r>
-            <a:r>
-              <a:rPr lang="ko-KR" altLang="en-US" dirty="0"/>
-              <a:t> 명칭</a:t>
-            </a:r>
-            <a:r>
-              <a:rPr lang="en-US" altLang="ko-KR" dirty="0"/>
-              <a:t>: Flow </a:t>
-            </a:r>
-            <a:r>
-              <a:rPr lang="ko-KR" altLang="en-US" dirty="0"/>
-              <a:t>명칭</a:t>
-            </a:r>
-          </a:p>
-        </p:txBody>
-      </p:sp>
-      <p:sp>
-        <p:nvSpPr>
-          <p:cNvPr id="3" name="내용 개체 틀 2"/>
-          <p:cNvSpPr>
-            <a:spLocks noGrp="1"/>
-          </p:cNvSpPr>
-          <p:nvPr>
-            <p:ph idx="1"/>
-          </p:nvPr>
-        </p:nvSpPr>
-        <p:spPr/>
-        <p:txBody>
-          <a:bodyPr/>
-          <a:lstStyle/>
-          <a:p>
-            <a:pPr marL="0" indent="0">
-              <a:buNone/>
-            </a:pPr>
-            <a:r>
-              <a:rPr lang="ko-KR" altLang="en-US" dirty="0"/>
-              <a:t>앞에서 명세한 </a:t>
-            </a:r>
-            <a:r>
-              <a:rPr lang="en-US" altLang="ko-KR" dirty="0"/>
-              <a:t>Use Case</a:t>
-            </a:r>
-            <a:r>
-              <a:rPr lang="ko-KR" altLang="en-US" dirty="0"/>
-              <a:t>에 포함된 </a:t>
-            </a:r>
-            <a:r>
-              <a:rPr lang="en-US" altLang="ko-KR" dirty="0"/>
-              <a:t>Flow</a:t>
-            </a:r>
-            <a:r>
-              <a:rPr lang="ko-KR" altLang="en-US" dirty="0"/>
-              <a:t>에 대한 </a:t>
-            </a:r>
-            <a:r>
-              <a:rPr lang="en-US" altLang="ko-KR" dirty="0"/>
-              <a:t>Sequence Diagram</a:t>
-            </a:r>
-            <a:r>
-              <a:rPr lang="ko-KR" altLang="en-US" dirty="0"/>
-              <a:t>을 </a:t>
-            </a:r>
-            <a:r>
-              <a:rPr lang="en-US" altLang="ko-KR" dirty="0"/>
-              <a:t>Attach</a:t>
-            </a:r>
-            <a:r>
-              <a:rPr lang="ko-KR" altLang="en-US" dirty="0"/>
-              <a:t>함</a:t>
-            </a:r>
-            <a:endParaRPr lang="en-US" altLang="ko-KR" dirty="0"/>
-          </a:p>
-          <a:p>
-            <a:pPr marL="0" indent="0">
-              <a:buNone/>
-            </a:pPr>
-            <a:r>
-              <a:rPr lang="en-US" altLang="ko-KR" dirty="0"/>
-              <a:t>(Sequence</a:t>
-            </a:r>
-            <a:r>
-              <a:rPr lang="ko-KR" altLang="en-US" dirty="0"/>
-              <a:t> </a:t>
-            </a:r>
-            <a:r>
-              <a:rPr lang="en-US" altLang="ko-KR" dirty="0"/>
-              <a:t>Diagram</a:t>
-            </a:r>
-            <a:r>
-              <a:rPr lang="ko-KR" altLang="en-US" dirty="0"/>
-              <a:t> 작성한 팀만 해당</a:t>
-            </a:r>
-            <a:r>
-              <a:rPr lang="en-US" altLang="ko-KR" dirty="0"/>
-              <a:t>. Optional)</a:t>
-            </a:r>
-            <a:endParaRPr lang="ko-KR" altLang="en-US" dirty="0"/>
-          </a:p>
-        </p:txBody>
-      </p:sp>
-      <p:sp>
-        <p:nvSpPr>
           <p:cNvPr id="4" name="슬라이드 번호 개체 틀 3"/>
           <p:cNvSpPr>
             <a:spLocks noGrp="1"/>
@@ -16991,60 +16772,6 @@
               <a:rPr lang="ko-KR" altLang="en-US" smtClean="0"/>
               <a:pPr/>
               <a:t>27</a:t>
-            </a:fld>
-            <a:endParaRPr lang="ko-KR" altLang="en-US" dirty="0"/>
-          </a:p>
-        </p:txBody>
-      </p:sp>
-    </p:spTree>
-    <p:extLst>
-      <p:ext uri="{BB962C8B-B14F-4D97-AF65-F5344CB8AC3E}">
-        <p14:creationId xmlns:p14="http://schemas.microsoft.com/office/powerpoint/2010/main" val="720438767"/>
-      </p:ext>
-    </p:extLst>
-  </p:cSld>
-  <p:clrMapOvr>
-    <a:masterClrMapping/>
-  </p:clrMapOvr>
-</p:sld>
-</file>
-
-<file path=ppt/slides/slide28.xml><?xml version="1.0" encoding="utf-8"?>
-<p:sld xmlns:a="http://schemas.openxmlformats.org/drawingml/2006/main" xmlns:r="http://schemas.openxmlformats.org/officeDocument/2006/relationships" xmlns:p="http://schemas.openxmlformats.org/presentationml/2006/main">
-  <p:cSld>
-    <p:spTree>
-      <p:nvGrpSpPr>
-        <p:cNvPr id="1" name=""/>
-        <p:cNvGrpSpPr/>
-        <p:nvPr/>
-      </p:nvGrpSpPr>
-      <p:grpSpPr>
-        <a:xfrm>
-          <a:off x="0" y="0"/>
-          <a:ext cx="0" cy="0"/>
-          <a:chOff x="0" y="0"/>
-          <a:chExt cx="0" cy="0"/>
-        </a:xfrm>
-      </p:grpSpPr>
-      <p:sp>
-        <p:nvSpPr>
-          <p:cNvPr id="4" name="슬라이드 번호 개체 틀 3"/>
-          <p:cNvSpPr>
-            <a:spLocks noGrp="1"/>
-          </p:cNvSpPr>
-          <p:nvPr>
-            <p:ph type="sldNum" sz="quarter" idx="12"/>
-          </p:nvPr>
-        </p:nvSpPr>
-        <p:spPr/>
-        <p:txBody>
-          <a:bodyPr/>
-          <a:lstStyle/>
-          <a:p>
-            <a:fld id="{8B13A9AF-F29E-4D48-BC7C-64D5E028A74A}" type="slidenum">
-              <a:rPr lang="ko-KR" altLang="en-US" smtClean="0"/>
-              <a:pPr/>
-              <a:t>28</a:t>
             </a:fld>
             <a:endParaRPr lang="ko-KR" altLang="en-US" dirty="0"/>
           </a:p>
@@ -17118,7 +16845,7 @@
 </p:sld>
 </file>
 
-<file path=ppt/slides/slide29.xml><?xml version="1.0" encoding="utf-8"?>
+<file path=ppt/slides/slide28.xml><?xml version="1.0" encoding="utf-8"?>
 <p:sld xmlns:a="http://schemas.openxmlformats.org/drawingml/2006/main" xmlns:r="http://schemas.openxmlformats.org/officeDocument/2006/relationships" xmlns:p="http://schemas.openxmlformats.org/presentationml/2006/main">
   <p:cSld>
     <p:spTree>
@@ -17183,7 +16910,7 @@
             <a:fld id="{8B13A9AF-F29E-4D48-BC7C-64D5E028A74A}" type="slidenum">
               <a:rPr lang="ko-KR" altLang="en-US" smtClean="0"/>
               <a:pPr/>
-              <a:t>29</a:t>
+              <a:t>28</a:t>
             </a:fld>
             <a:endParaRPr lang="ko-KR" altLang="en-US" dirty="0"/>
           </a:p>
@@ -17369,6 +17096,162 @@
     <p:extLst>
       <p:ext uri="{BB962C8B-B14F-4D97-AF65-F5344CB8AC3E}">
         <p14:creationId xmlns:p14="http://schemas.microsoft.com/office/powerpoint/2010/main" val="4212078873"/>
+      </p:ext>
+    </p:extLst>
+  </p:cSld>
+  <p:clrMapOvr>
+    <a:masterClrMapping/>
+  </p:clrMapOvr>
+</p:sld>
+</file>
+
+<file path=ppt/slides/slide29.xml><?xml version="1.0" encoding="utf-8"?>
+<p:sld xmlns:a="http://schemas.openxmlformats.org/drawingml/2006/main" xmlns:r="http://schemas.openxmlformats.org/officeDocument/2006/relationships" xmlns:p="http://schemas.openxmlformats.org/presentationml/2006/main">
+  <p:cSld>
+    <p:spTree>
+      <p:nvGrpSpPr>
+        <p:cNvPr id="1" name=""/>
+        <p:cNvGrpSpPr/>
+        <p:nvPr/>
+      </p:nvGrpSpPr>
+      <p:grpSpPr>
+        <a:xfrm>
+          <a:off x="0" y="0"/>
+          <a:ext cx="0" cy="0"/>
+          <a:chOff x="0" y="0"/>
+          <a:chExt cx="0" cy="0"/>
+        </a:xfrm>
+      </p:grpSpPr>
+      <p:sp>
+        <p:nvSpPr>
+          <p:cNvPr id="2" name="제목 1">
+            <a:extLst>
+              <a:ext uri="{FF2B5EF4-FFF2-40B4-BE49-F238E27FC236}">
+                <a16:creationId xmlns:a16="http://schemas.microsoft.com/office/drawing/2014/main" id="{9F4CFD8E-3232-4EA5-AFBD-295ABAD24E6B}"/>
+              </a:ext>
+            </a:extLst>
+          </p:cNvPr>
+          <p:cNvSpPr>
+            <a:spLocks noGrp="1"/>
+          </p:cNvSpPr>
+          <p:nvPr>
+            <p:ph type="title"/>
+          </p:nvPr>
+        </p:nvSpPr>
+        <p:spPr>
+          <a:xfrm>
+            <a:off x="364704" y="231639"/>
+            <a:ext cx="8435280" cy="778098"/>
+          </a:xfrm>
+        </p:spPr>
+        <p:txBody>
+          <a:bodyPr>
+            <a:noAutofit/>
+          </a:bodyPr>
+          <a:lstStyle/>
+          <a:p>
+            <a:r>
+              <a:rPr lang="en-US" altLang="ko-KR" sz="2600" dirty="0"/>
+              <a:t>Traceability from UC Model to Implementation Model</a:t>
+            </a:r>
+            <a:endParaRPr lang="ko-KR" altLang="en-US" sz="2600" dirty="0"/>
+          </a:p>
+        </p:txBody>
+      </p:sp>
+      <p:sp>
+        <p:nvSpPr>
+          <p:cNvPr id="3" name="내용 개체 틀 2">
+            <a:extLst>
+              <a:ext uri="{FF2B5EF4-FFF2-40B4-BE49-F238E27FC236}">
+                <a16:creationId xmlns:a16="http://schemas.microsoft.com/office/drawing/2014/main" id="{31F6A51D-15CF-4BBB-83DF-1C4F385BC7FB}"/>
+              </a:ext>
+            </a:extLst>
+          </p:cNvPr>
+          <p:cNvSpPr>
+            <a:spLocks noGrp="1"/>
+          </p:cNvSpPr>
+          <p:nvPr>
+            <p:ph idx="1"/>
+          </p:nvPr>
+        </p:nvSpPr>
+        <p:spPr/>
+        <p:txBody>
+          <a:bodyPr/>
+          <a:lstStyle/>
+          <a:p>
+            <a:r>
+              <a:rPr lang="ko-KR" altLang="en-US" dirty="0"/>
+              <a:t>앞에 제시된 </a:t>
+            </a:r>
+            <a:r>
+              <a:rPr lang="en-US" altLang="ko-KR" dirty="0"/>
+              <a:t>Use Case</a:t>
+            </a:r>
+            <a:r>
+              <a:rPr lang="ko-KR" altLang="en-US" dirty="0"/>
+              <a:t>와 관련된 </a:t>
+            </a:r>
+            <a:r>
+              <a:rPr lang="en-US" altLang="ko-KR" dirty="0"/>
+              <a:t>Scenario</a:t>
+            </a:r>
+            <a:r>
+              <a:rPr lang="ko-KR" altLang="en-US" dirty="0"/>
+              <a:t>에</a:t>
+            </a:r>
+            <a:r>
+              <a:rPr lang="en-US" altLang="ko-KR" dirty="0"/>
+              <a:t> </a:t>
+            </a:r>
+            <a:r>
+              <a:rPr lang="ko-KR" altLang="en-US" dirty="0"/>
+              <a:t>대한 </a:t>
+            </a:r>
+            <a:r>
+              <a:rPr lang="en-US" altLang="ko-KR" dirty="0"/>
+              <a:t>Traceability Table</a:t>
+            </a:r>
+            <a:r>
+              <a:rPr lang="ko-KR" altLang="en-US" dirty="0"/>
+              <a:t>을 첨부</a:t>
+            </a:r>
+          </a:p>
+        </p:txBody>
+      </p:sp>
+      <p:sp>
+        <p:nvSpPr>
+          <p:cNvPr id="4" name="슬라이드 번호 개체 틀 3">
+            <a:extLst>
+              <a:ext uri="{FF2B5EF4-FFF2-40B4-BE49-F238E27FC236}">
+                <a16:creationId xmlns:a16="http://schemas.microsoft.com/office/drawing/2014/main" id="{C14F1DFE-808A-4F7D-ACFC-055AA867172E}"/>
+              </a:ext>
+            </a:extLst>
+          </p:cNvPr>
+          <p:cNvSpPr>
+            <a:spLocks noGrp="1"/>
+          </p:cNvSpPr>
+          <p:nvPr>
+            <p:ph type="sldNum" sz="quarter" idx="12"/>
+          </p:nvPr>
+        </p:nvSpPr>
+        <p:spPr/>
+        <p:txBody>
+          <a:bodyPr/>
+          <a:lstStyle/>
+          <a:p>
+            <a:fld id="{8B13A9AF-F29E-4D48-BC7C-64D5E028A74A}" type="slidenum">
+              <a:rPr lang="ko-KR" altLang="en-US" smtClean="0"/>
+              <a:pPr/>
+              <a:t>29</a:t>
+            </a:fld>
+            <a:endParaRPr lang="ko-KR" altLang="en-US" dirty="0"/>
+          </a:p>
+        </p:txBody>
+      </p:sp>
+    </p:spTree>
+    <p:extLst>
+      <p:ext uri="{BB962C8B-B14F-4D97-AF65-F5344CB8AC3E}">
+        <p14:creationId xmlns:p14="http://schemas.microsoft.com/office/powerpoint/2010/main" val="141738109"/>
       </p:ext>
     </p:extLst>
   </p:cSld>
@@ -17508,162 +17391,6 @@
       </p:grpSpPr>
       <p:sp>
         <p:nvSpPr>
-          <p:cNvPr id="2" name="제목 1">
-            <a:extLst>
-              <a:ext uri="{FF2B5EF4-FFF2-40B4-BE49-F238E27FC236}">
-                <a16:creationId xmlns:a16="http://schemas.microsoft.com/office/drawing/2014/main" id="{9F4CFD8E-3232-4EA5-AFBD-295ABAD24E6B}"/>
-              </a:ext>
-            </a:extLst>
-          </p:cNvPr>
-          <p:cNvSpPr>
-            <a:spLocks noGrp="1"/>
-          </p:cNvSpPr>
-          <p:nvPr>
-            <p:ph type="title"/>
-          </p:nvPr>
-        </p:nvSpPr>
-        <p:spPr>
-          <a:xfrm>
-            <a:off x="364704" y="231639"/>
-            <a:ext cx="8435280" cy="778098"/>
-          </a:xfrm>
-        </p:spPr>
-        <p:txBody>
-          <a:bodyPr>
-            <a:noAutofit/>
-          </a:bodyPr>
-          <a:lstStyle/>
-          <a:p>
-            <a:r>
-              <a:rPr lang="en-US" altLang="ko-KR" sz="2600" dirty="0"/>
-              <a:t>Traceability from UC Model to Implementation Model</a:t>
-            </a:r>
-            <a:endParaRPr lang="ko-KR" altLang="en-US" sz="2600" dirty="0"/>
-          </a:p>
-        </p:txBody>
-      </p:sp>
-      <p:sp>
-        <p:nvSpPr>
-          <p:cNvPr id="3" name="내용 개체 틀 2">
-            <a:extLst>
-              <a:ext uri="{FF2B5EF4-FFF2-40B4-BE49-F238E27FC236}">
-                <a16:creationId xmlns:a16="http://schemas.microsoft.com/office/drawing/2014/main" id="{31F6A51D-15CF-4BBB-83DF-1C4F385BC7FB}"/>
-              </a:ext>
-            </a:extLst>
-          </p:cNvPr>
-          <p:cNvSpPr>
-            <a:spLocks noGrp="1"/>
-          </p:cNvSpPr>
-          <p:nvPr>
-            <p:ph idx="1"/>
-          </p:nvPr>
-        </p:nvSpPr>
-        <p:spPr/>
-        <p:txBody>
-          <a:bodyPr/>
-          <a:lstStyle/>
-          <a:p>
-            <a:r>
-              <a:rPr lang="ko-KR" altLang="en-US" dirty="0"/>
-              <a:t>앞에 제시된 </a:t>
-            </a:r>
-            <a:r>
-              <a:rPr lang="en-US" altLang="ko-KR" dirty="0"/>
-              <a:t>Use Case</a:t>
-            </a:r>
-            <a:r>
-              <a:rPr lang="ko-KR" altLang="en-US" dirty="0"/>
-              <a:t>와 관련된 </a:t>
-            </a:r>
-            <a:r>
-              <a:rPr lang="en-US" altLang="ko-KR" dirty="0"/>
-              <a:t>Scenario</a:t>
-            </a:r>
-            <a:r>
-              <a:rPr lang="ko-KR" altLang="en-US" dirty="0"/>
-              <a:t>에</a:t>
-            </a:r>
-            <a:r>
-              <a:rPr lang="en-US" altLang="ko-KR" dirty="0"/>
-              <a:t> </a:t>
-            </a:r>
-            <a:r>
-              <a:rPr lang="ko-KR" altLang="en-US" dirty="0"/>
-              <a:t>대한 </a:t>
-            </a:r>
-            <a:r>
-              <a:rPr lang="en-US" altLang="ko-KR" dirty="0"/>
-              <a:t>Traceability Table</a:t>
-            </a:r>
-            <a:r>
-              <a:rPr lang="ko-KR" altLang="en-US" dirty="0"/>
-              <a:t>을 첨부</a:t>
-            </a:r>
-          </a:p>
-        </p:txBody>
-      </p:sp>
-      <p:sp>
-        <p:nvSpPr>
-          <p:cNvPr id="4" name="슬라이드 번호 개체 틀 3">
-            <a:extLst>
-              <a:ext uri="{FF2B5EF4-FFF2-40B4-BE49-F238E27FC236}">
-                <a16:creationId xmlns:a16="http://schemas.microsoft.com/office/drawing/2014/main" id="{C14F1DFE-808A-4F7D-ACFC-055AA867172E}"/>
-              </a:ext>
-            </a:extLst>
-          </p:cNvPr>
-          <p:cNvSpPr>
-            <a:spLocks noGrp="1"/>
-          </p:cNvSpPr>
-          <p:nvPr>
-            <p:ph type="sldNum" sz="quarter" idx="12"/>
-          </p:nvPr>
-        </p:nvSpPr>
-        <p:spPr/>
-        <p:txBody>
-          <a:bodyPr/>
-          <a:lstStyle/>
-          <a:p>
-            <a:fld id="{8B13A9AF-F29E-4D48-BC7C-64D5E028A74A}" type="slidenum">
-              <a:rPr lang="ko-KR" altLang="en-US" smtClean="0"/>
-              <a:pPr/>
-              <a:t>30</a:t>
-            </a:fld>
-            <a:endParaRPr lang="ko-KR" altLang="en-US" dirty="0"/>
-          </a:p>
-        </p:txBody>
-      </p:sp>
-    </p:spTree>
-    <p:extLst>
-      <p:ext uri="{BB962C8B-B14F-4D97-AF65-F5344CB8AC3E}">
-        <p14:creationId xmlns:p14="http://schemas.microsoft.com/office/powerpoint/2010/main" val="141738109"/>
-      </p:ext>
-    </p:extLst>
-  </p:cSld>
-  <p:clrMapOvr>
-    <a:masterClrMapping/>
-  </p:clrMapOvr>
-</p:sld>
-</file>
-
-<file path=ppt/slides/slide31.xml><?xml version="1.0" encoding="utf-8"?>
-<p:sld xmlns:a="http://schemas.openxmlformats.org/drawingml/2006/main" xmlns:r="http://schemas.openxmlformats.org/officeDocument/2006/relationships" xmlns:p="http://schemas.openxmlformats.org/presentationml/2006/main">
-  <p:cSld>
-    <p:spTree>
-      <p:nvGrpSpPr>
-        <p:cNvPr id="1" name=""/>
-        <p:cNvGrpSpPr/>
-        <p:nvPr/>
-      </p:nvGrpSpPr>
-      <p:grpSpPr>
-        <a:xfrm>
-          <a:off x="0" y="0"/>
-          <a:ext cx="0" cy="0"/>
-          <a:chOff x="0" y="0"/>
-          <a:chExt cx="0" cy="0"/>
-        </a:xfrm>
-      </p:grpSpPr>
-      <p:sp>
-        <p:nvSpPr>
           <p:cNvPr id="4" name="슬라이드 번호 개체 틀 3"/>
           <p:cNvSpPr>
             <a:spLocks noGrp="1"/>
@@ -17680,7 +17407,7 @@
             <a:fld id="{8B13A9AF-F29E-4D48-BC7C-64D5E028A74A}" type="slidenum">
               <a:rPr lang="ko-KR" altLang="en-US" smtClean="0"/>
               <a:pPr/>
-              <a:t>31</a:t>
+              <a:t>30</a:t>
             </a:fld>
             <a:endParaRPr lang="ko-KR" altLang="en-US" dirty="0"/>
           </a:p>
@@ -17745,7 +17472,7 @@
 </p:sld>
 </file>
 
-<file path=ppt/slides/slide32.xml><?xml version="1.0" encoding="utf-8"?>
+<file path=ppt/slides/slide31.xml><?xml version="1.0" encoding="utf-8"?>
 <p:sld xmlns:a="http://schemas.openxmlformats.org/drawingml/2006/main" xmlns:r="http://schemas.openxmlformats.org/officeDocument/2006/relationships" xmlns:p="http://schemas.openxmlformats.org/presentationml/2006/main">
   <p:cSld>
     <p:spTree>
@@ -17852,7 +17579,7 @@
           </a:prstGeom>
           <a:extLst>
             <a:ext uri="{C572A759-6A51-4108-AA02-DFA0A04FC94B}">
-              <ma14:wrappingTextBoxFlag xmlns="" xmlns:ma14="http://schemas.microsoft.com/office/mac/drawingml/2011/main" val="1"/>
+              <ma14:wrappingTextBoxFlag xmlns:ma14="http://schemas.microsoft.com/office/mac/drawingml/2011/main" xmlns="" val="1"/>
             </a:ext>
           </a:extLst>
         </p:spPr>
@@ -17861,7 +17588,7 @@
           <a:lstStyle/>
           <a:p>
             <a:fld id="{86CB4B4D-7CA3-9044-876B-883B54F8677D}" type="slidenum">
-              <a:t>32</a:t>
+              <a:t>31</a:t>
             </a:fld>
             <a:endParaRPr/>
           </a:p>
@@ -17881,7 +17608,7 @@
         </p:nvSpPr>
         <p:spPr>
           <a:xfrm>
-            <a:off x="3576809" y="59624"/>
+            <a:off x="3707904" y="89972"/>
             <a:ext cx="5109989" cy="369332"/>
           </a:xfrm>
           <a:prstGeom prst="rect">
@@ -17938,7 +17665,7 @@
         </p:nvSpPr>
         <p:spPr>
           <a:xfrm flipH="1">
-            <a:off x="683568" y="1628800"/>
+            <a:off x="611560" y="1237404"/>
             <a:ext cx="7957511" cy="369332"/>
           </a:xfrm>
           <a:prstGeom prst="rect">
@@ -17996,7 +17723,7 @@
 </p:sld>
 </file>
 
-<file path=ppt/slides/slide33.xml><?xml version="1.0" encoding="utf-8"?>
+<file path=ppt/slides/slide32.xml><?xml version="1.0" encoding="utf-8"?>
 <p:sld xmlns:a="http://schemas.openxmlformats.org/drawingml/2006/main" xmlns:r="http://schemas.openxmlformats.org/officeDocument/2006/relationships" xmlns:p="http://schemas.openxmlformats.org/presentationml/2006/main">
   <p:cSld>
     <p:spTree>
@@ -18053,7 +17780,7 @@
             <a:fld id="{8B13A9AF-F29E-4D48-BC7C-64D5E028A74A}" type="slidenum">
               <a:rPr lang="ko-KR" altLang="en-US" smtClean="0"/>
               <a:pPr/>
-              <a:t>33</a:t>
+              <a:t>32</a:t>
             </a:fld>
             <a:endParaRPr lang="ko-KR" altLang="en-US" dirty="0"/>
           </a:p>
@@ -18539,7 +18266,7 @@
 </p:sld>
 </file>
 
-<file path=ppt/slides/slide34.xml><?xml version="1.0" encoding="utf-8"?>
+<file path=ppt/slides/slide33.xml><?xml version="1.0" encoding="utf-8"?>
 <p:sld xmlns:a="http://schemas.openxmlformats.org/drawingml/2006/main" xmlns:r="http://schemas.openxmlformats.org/officeDocument/2006/relationships" xmlns:p="http://schemas.openxmlformats.org/presentationml/2006/main">
   <p:cSld>
     <p:spTree>
@@ -18633,43 +18360,24 @@
               <a:rPr lang="ko-KR" altLang="en-US" dirty="0"/>
               <a:t>에 따라 다른 추천결과물을 제공함을 실연을 통해 입증</a:t>
             </a:r>
+            <a:br>
+              <a:rPr lang="en-US" altLang="ko-KR" dirty="0"/>
+            </a:br>
+            <a:br>
+              <a:rPr lang="en-US" altLang="ko-KR" dirty="0"/>
+            </a:br>
+            <a:br>
+              <a:rPr lang="en-US" altLang="ko-KR" dirty="0"/>
+            </a:br>
+            <a:br>
+              <a:rPr lang="en-US" altLang="ko-KR" dirty="0"/>
+            </a:br>
             <a:endParaRPr lang="en-US" altLang="ko-KR" dirty="0"/>
           </a:p>
           <a:p>
             <a:r>
               <a:rPr lang="ko-KR" altLang="en-US" dirty="0"/>
               <a:t>추천결과에 대한 피드백 반영으로 인해 추천에 대한 만족도가 향상됨을 실연을 통해 입증</a:t>
-            </a:r>
-            <a:endParaRPr lang="en-US" altLang="ko-KR" dirty="0"/>
-          </a:p>
-          <a:p>
-            <a:r>
-              <a:rPr lang="ko-KR" altLang="en-US" dirty="0"/>
-              <a:t>추천시스템이 아닌 </a:t>
-            </a:r>
-            <a:r>
-              <a:rPr lang="en-US" altLang="ko-KR" dirty="0"/>
-              <a:t>3</a:t>
-            </a:r>
-            <a:r>
-              <a:rPr lang="ko-KR" altLang="en-US" dirty="0"/>
-              <a:t>팀의 경우</a:t>
-            </a:r>
-            <a:r>
-              <a:rPr lang="en-US" altLang="ko-KR" dirty="0"/>
-              <a:t>, </a:t>
-            </a:r>
-            <a:r>
-              <a:rPr lang="ko-KR" altLang="en-US" dirty="0"/>
-              <a:t>개발된 </a:t>
-            </a:r>
-            <a:r>
-              <a:rPr lang="en-US" altLang="ko-KR" dirty="0"/>
-              <a:t>Application</a:t>
-            </a:r>
-            <a:r>
-              <a:rPr lang="ko-KR" altLang="en-US" dirty="0"/>
-              <a:t>의 편리함을 실연을 통해 입증</a:t>
             </a:r>
           </a:p>
         </p:txBody>
@@ -18698,7 +18406,7 @@
             <a:fld id="{8B13A9AF-F29E-4D48-BC7C-64D5E028A74A}" type="slidenum">
               <a:rPr lang="ko-KR" altLang="en-US" smtClean="0"/>
               <a:pPr/>
-              <a:t>34</a:t>
+              <a:t>33</a:t>
             </a:fld>
             <a:endParaRPr lang="ko-KR" altLang="en-US" dirty="0"/>
           </a:p>
@@ -18708,6 +18416,155 @@
     <p:extLst>
       <p:ext uri="{BB962C8B-B14F-4D97-AF65-F5344CB8AC3E}">
         <p14:creationId xmlns:p14="http://schemas.microsoft.com/office/powerpoint/2010/main" val="541772494"/>
+      </p:ext>
+    </p:extLst>
+  </p:cSld>
+  <p:clrMapOvr>
+    <a:masterClrMapping/>
+  </p:clrMapOvr>
+</p:sld>
+</file>
+
+<file path=ppt/slides/slide34.xml><?xml version="1.0" encoding="utf-8"?>
+<p:sld xmlns:a="http://schemas.openxmlformats.org/drawingml/2006/main" xmlns:r="http://schemas.openxmlformats.org/officeDocument/2006/relationships" xmlns:p="http://schemas.openxmlformats.org/presentationml/2006/main">
+  <p:cSld>
+    <p:spTree>
+      <p:nvGrpSpPr>
+        <p:cNvPr id="1" name=""/>
+        <p:cNvGrpSpPr/>
+        <p:nvPr/>
+      </p:nvGrpSpPr>
+      <p:grpSpPr>
+        <a:xfrm>
+          <a:off x="0" y="0"/>
+          <a:ext cx="0" cy="0"/>
+          <a:chOff x="0" y="0"/>
+          <a:chExt cx="0" cy="0"/>
+        </a:xfrm>
+      </p:grpSpPr>
+      <p:sp>
+        <p:nvSpPr>
+          <p:cNvPr id="2" name="제목 1"/>
+          <p:cNvSpPr>
+            <a:spLocks noGrp="1"/>
+          </p:cNvSpPr>
+          <p:nvPr>
+            <p:ph type="title"/>
+          </p:nvPr>
+        </p:nvSpPr>
+        <p:spPr/>
+        <p:txBody>
+          <a:bodyPr>
+            <a:normAutofit/>
+          </a:bodyPr>
+          <a:lstStyle/>
+          <a:p>
+            <a:r>
+              <a:rPr lang="en-US" altLang="ko-KR" sz="3200" dirty="0"/>
+              <a:t>Lessons Learned</a:t>
+            </a:r>
+            <a:endParaRPr lang="ko-KR" altLang="en-US" sz="3200" dirty="0"/>
+          </a:p>
+        </p:txBody>
+      </p:sp>
+      <p:sp>
+        <p:nvSpPr>
+          <p:cNvPr id="3" name="내용 개체 틀 2"/>
+          <p:cNvSpPr>
+            <a:spLocks noGrp="1"/>
+          </p:cNvSpPr>
+          <p:nvPr>
+            <p:ph idx="1"/>
+          </p:nvPr>
+        </p:nvSpPr>
+        <p:spPr/>
+        <p:txBody>
+          <a:bodyPr>
+            <a:normAutofit/>
+          </a:bodyPr>
+          <a:lstStyle/>
+          <a:p>
+            <a:r>
+              <a:rPr lang="ko-KR" altLang="en-US" sz="2400" dirty="0"/>
+              <a:t>프로젝트 </a:t>
+            </a:r>
+            <a:r>
+              <a:rPr lang="ko-KR" altLang="en-US" sz="2400" dirty="0" err="1"/>
+              <a:t>수행시</a:t>
+            </a:r>
+            <a:r>
+              <a:rPr lang="ko-KR" altLang="en-US" sz="2400" dirty="0"/>
+              <a:t> 어려웠던 점</a:t>
+            </a:r>
+            <a:endParaRPr lang="en-US" altLang="ko-KR" sz="2400" dirty="0"/>
+          </a:p>
+          <a:p>
+            <a:pPr lvl="1"/>
+            <a:r>
+              <a:rPr lang="ko-KR" altLang="en-US" sz="1800" dirty="0"/>
+              <a:t>솔직하게 기술하면 됩니다</a:t>
+            </a:r>
+            <a:r>
+              <a:rPr lang="en-US" altLang="ko-KR" sz="1800" dirty="0"/>
+              <a:t>.</a:t>
+            </a:r>
+          </a:p>
+          <a:p>
+            <a:pPr lvl="1"/>
+            <a:endParaRPr lang="en-US" altLang="ko-KR" dirty="0"/>
+          </a:p>
+          <a:p>
+            <a:r>
+              <a:rPr lang="ko-KR" altLang="en-US" sz="2400" dirty="0"/>
+              <a:t>팀플레이를 통해 나름대로 해결할 수 있었던 노하우</a:t>
+            </a:r>
+            <a:endParaRPr lang="en-US" altLang="ko-KR" sz="2400" dirty="0"/>
+          </a:p>
+          <a:p>
+            <a:pPr lvl="1"/>
+            <a:r>
+              <a:rPr lang="ko-KR" altLang="en-US" sz="1800" dirty="0"/>
+              <a:t>위에서 언급한 어려웠던 점을 팀에서 어떻게 해결할 수 있었는지 자세히 기술해 주세요</a:t>
+            </a:r>
+            <a:r>
+              <a:rPr lang="en-US" altLang="ko-KR" sz="1800" dirty="0"/>
+              <a:t>.</a:t>
+            </a:r>
+            <a:r>
+              <a:rPr lang="ko-KR" altLang="en-US" sz="1800" dirty="0"/>
+              <a:t> </a:t>
+            </a:r>
+          </a:p>
+        </p:txBody>
+      </p:sp>
+      <p:sp>
+        <p:nvSpPr>
+          <p:cNvPr id="4" name="슬라이드 번호 개체 틀 3"/>
+          <p:cNvSpPr>
+            <a:spLocks noGrp="1"/>
+          </p:cNvSpPr>
+          <p:nvPr>
+            <p:ph type="sldNum" sz="quarter" idx="12"/>
+          </p:nvPr>
+        </p:nvSpPr>
+        <p:spPr/>
+        <p:txBody>
+          <a:bodyPr/>
+          <a:lstStyle/>
+          <a:p>
+            <a:fld id="{8B13A9AF-F29E-4D48-BC7C-64D5E028A74A}" type="slidenum">
+              <a:rPr lang="ko-KR" altLang="en-US" smtClean="0"/>
+              <a:pPr/>
+              <a:t>34</a:t>
+            </a:fld>
+            <a:endParaRPr lang="ko-KR" altLang="en-US" dirty="0"/>
+          </a:p>
+        </p:txBody>
+      </p:sp>
+    </p:spTree>
+    <p:extLst>
+      <p:ext uri="{BB962C8B-B14F-4D97-AF65-F5344CB8AC3E}">
+        <p14:creationId xmlns:p14="http://schemas.microsoft.com/office/powerpoint/2010/main" val="3966917780"/>
       </p:ext>
     </p:extLst>
   </p:cSld>
@@ -18778,54 +18635,87 @@
           <a:p>
             <a:r>
               <a:rPr lang="ko-KR" altLang="en-US" sz="2400" dirty="0"/>
-              <a:t>프로젝트 </a:t>
-            </a:r>
-            <a:r>
-              <a:rPr lang="ko-KR" altLang="en-US" sz="2400" dirty="0" err="1"/>
-              <a:t>수행시</a:t>
-            </a:r>
-            <a:r>
-              <a:rPr lang="ko-KR" altLang="en-US" sz="2400" dirty="0"/>
-              <a:t> 어려웠던 점</a:t>
+              <a:t>팀프로젝트를 통해 배운 점</a:t>
             </a:r>
             <a:endParaRPr lang="en-US" altLang="ko-KR" sz="2400" dirty="0"/>
           </a:p>
           <a:p>
             <a:pPr lvl="1"/>
             <a:r>
-              <a:rPr lang="ko-KR" altLang="en-US" sz="1800" dirty="0"/>
-              <a:t>솔직하게 기술하면 됩니다</a:t>
-            </a:r>
-            <a:r>
-              <a:rPr lang="en-US" altLang="ko-KR" sz="1800" dirty="0"/>
-              <a:t>.</a:t>
-            </a:r>
+              <a:rPr lang="ko-KR" altLang="en-US" dirty="0"/>
+              <a:t>체크리스트를 만들어라</a:t>
+            </a:r>
+            <a:endParaRPr lang="en-US" altLang="ko-KR" dirty="0"/>
           </a:p>
           <a:p>
             <a:pPr lvl="1"/>
             <a:endParaRPr lang="en-US" altLang="ko-KR" dirty="0"/>
           </a:p>
           <a:p>
-            <a:r>
-              <a:rPr lang="ko-KR" altLang="en-US" sz="2400" dirty="0"/>
-              <a:t>팀플레이를 통해 나름대로 해결할 수 있었던 노하우</a:t>
+            <a:pPr lvl="1"/>
+            <a:endParaRPr lang="en-US" altLang="ko-KR" dirty="0"/>
+          </a:p>
+          <a:p>
+            <a:r>
+              <a:rPr lang="ko-KR" altLang="en-US" sz="2400" dirty="0" err="1"/>
+              <a:t>아쉬운점</a:t>
             </a:r>
             <a:endParaRPr lang="en-US" altLang="ko-KR" sz="2400" dirty="0"/>
           </a:p>
           <a:p>
             <a:pPr lvl="1"/>
             <a:r>
+              <a:rPr lang="en-US" altLang="ko-KR" sz="1800" dirty="0"/>
+              <a:t>SDLC </a:t>
+            </a:r>
+            <a:r>
               <a:rPr lang="ko-KR" altLang="en-US" sz="1800" dirty="0"/>
-              <a:t>위에서 언급한 어려웠던 점을 팀에서 어떻게 해결할 수 있었는지 자세히 기술해 주세요</a:t>
+              <a:t>를 단계적으로 밟아 나가는 과정과 </a:t>
             </a:r>
             <a:r>
               <a:rPr lang="en-US" altLang="ko-KR" sz="1800" dirty="0"/>
-              <a:t>.</a:t>
+              <a:t>DT </a:t>
             </a:r>
             <a:r>
               <a:rPr lang="ko-KR" altLang="en-US" sz="1800" dirty="0"/>
-              <a:t> </a:t>
-            </a:r>
+              <a:t>개발</a:t>
+            </a:r>
+            <a:br>
+              <a:rPr lang="en-US" altLang="ko-KR" sz="1800" dirty="0"/>
+            </a:br>
+            <a:endParaRPr lang="en-US" altLang="ko-KR" sz="1800" dirty="0"/>
+          </a:p>
+          <a:p>
+            <a:pPr lvl="1"/>
+            <a:r>
+              <a:rPr lang="en-US" altLang="ko-KR" sz="1600" dirty="0"/>
+              <a:t>SRS -&gt; SAD -&gt; </a:t>
+            </a:r>
+            <a:r>
+              <a:rPr lang="ko-KR" altLang="en-US" sz="1600" dirty="0"/>
+              <a:t>구현 </a:t>
+            </a:r>
+            <a:r>
+              <a:rPr lang="en-US" altLang="ko-KR" sz="1600" dirty="0"/>
+              <a:t>-&gt; </a:t>
+            </a:r>
+            <a:r>
+              <a:rPr lang="ko-KR" altLang="en-US" sz="1600" dirty="0"/>
+              <a:t>테스트의 과정에서</a:t>
+            </a:r>
+            <a:r>
+              <a:rPr lang="en-US" altLang="ko-KR" sz="1600" dirty="0"/>
+              <a:t>, </a:t>
+            </a:r>
+            <a:r>
+              <a:rPr lang="ko-KR" altLang="en-US" sz="1600" dirty="0"/>
+              <a:t>학생들이 한번도 구현해 보거나 </a:t>
+            </a:r>
+            <a:r>
+              <a:rPr lang="ko-KR" altLang="en-US" sz="1600"/>
+              <a:t>하지 않은 경우</a:t>
+            </a:r>
+            <a:endParaRPr lang="ko-KR" altLang="en-US" sz="1600" dirty="0"/>
           </a:p>
         </p:txBody>
       </p:sp>
@@ -18848,179 +18738,6 @@
               <a:rPr lang="ko-KR" altLang="en-US" smtClean="0"/>
               <a:pPr/>
               <a:t>35</a:t>
-            </a:fld>
-            <a:endParaRPr lang="ko-KR" altLang="en-US" dirty="0"/>
-          </a:p>
-        </p:txBody>
-      </p:sp>
-    </p:spTree>
-    <p:extLst>
-      <p:ext uri="{BB962C8B-B14F-4D97-AF65-F5344CB8AC3E}">
-        <p14:creationId xmlns:p14="http://schemas.microsoft.com/office/powerpoint/2010/main" val="3966917780"/>
-      </p:ext>
-    </p:extLst>
-  </p:cSld>
-  <p:clrMapOvr>
-    <a:masterClrMapping/>
-  </p:clrMapOvr>
-</p:sld>
-</file>
-
-<file path=ppt/slides/slide36.xml><?xml version="1.0" encoding="utf-8"?>
-<p:sld xmlns:a="http://schemas.openxmlformats.org/drawingml/2006/main" xmlns:r="http://schemas.openxmlformats.org/officeDocument/2006/relationships" xmlns:p="http://schemas.openxmlformats.org/presentationml/2006/main">
-  <p:cSld>
-    <p:spTree>
-      <p:nvGrpSpPr>
-        <p:cNvPr id="1" name=""/>
-        <p:cNvGrpSpPr/>
-        <p:nvPr/>
-      </p:nvGrpSpPr>
-      <p:grpSpPr>
-        <a:xfrm>
-          <a:off x="0" y="0"/>
-          <a:ext cx="0" cy="0"/>
-          <a:chOff x="0" y="0"/>
-          <a:chExt cx="0" cy="0"/>
-        </a:xfrm>
-      </p:grpSpPr>
-      <p:sp>
-        <p:nvSpPr>
-          <p:cNvPr id="2" name="제목 1"/>
-          <p:cNvSpPr>
-            <a:spLocks noGrp="1"/>
-          </p:cNvSpPr>
-          <p:nvPr>
-            <p:ph type="title"/>
-          </p:nvPr>
-        </p:nvSpPr>
-        <p:spPr/>
-        <p:txBody>
-          <a:bodyPr>
-            <a:normAutofit/>
-          </a:bodyPr>
-          <a:lstStyle/>
-          <a:p>
-            <a:r>
-              <a:rPr lang="en-US" altLang="ko-KR" sz="3200" dirty="0"/>
-              <a:t>Lessons Learned</a:t>
-            </a:r>
-            <a:endParaRPr lang="ko-KR" altLang="en-US" sz="3200" dirty="0"/>
-          </a:p>
-        </p:txBody>
-      </p:sp>
-      <p:sp>
-        <p:nvSpPr>
-          <p:cNvPr id="3" name="내용 개체 틀 2"/>
-          <p:cNvSpPr>
-            <a:spLocks noGrp="1"/>
-          </p:cNvSpPr>
-          <p:nvPr>
-            <p:ph idx="1"/>
-          </p:nvPr>
-        </p:nvSpPr>
-        <p:spPr/>
-        <p:txBody>
-          <a:bodyPr>
-            <a:normAutofit/>
-          </a:bodyPr>
-          <a:lstStyle/>
-          <a:p>
-            <a:r>
-              <a:rPr lang="ko-KR" altLang="en-US" sz="2400" dirty="0" err="1"/>
-              <a:t>팀프로젝트를</a:t>
-            </a:r>
-            <a:r>
-              <a:rPr lang="ko-KR" altLang="en-US" sz="2400" dirty="0"/>
-              <a:t> 통해 배운 점</a:t>
-            </a:r>
-            <a:endParaRPr lang="en-US" altLang="ko-KR" sz="2400" dirty="0"/>
-          </a:p>
-          <a:p>
-            <a:pPr lvl="1"/>
-            <a:r>
-              <a:rPr lang="ko-KR" altLang="en-US" sz="1800" dirty="0"/>
-              <a:t>팀프로젝트 </a:t>
-            </a:r>
-            <a:r>
-              <a:rPr lang="ko-KR" altLang="en-US" sz="1800" dirty="0" err="1"/>
-              <a:t>수행시</a:t>
-            </a:r>
-            <a:r>
-              <a:rPr lang="ko-KR" altLang="en-US" sz="1800" dirty="0"/>
-              <a:t> </a:t>
-            </a:r>
-            <a:r>
-              <a:rPr lang="en-US" altLang="ko-KR" sz="1800" dirty="0"/>
-              <a:t>Risk</a:t>
-            </a:r>
-            <a:r>
-              <a:rPr lang="ko-KR" altLang="en-US" sz="1800" dirty="0"/>
-              <a:t>를 해결해 나가면서 깨닫게 된 점 등을 기술하면 됩니다</a:t>
-            </a:r>
-            <a:r>
-              <a:rPr lang="en-US" altLang="ko-KR" sz="1800" dirty="0"/>
-              <a:t>.</a:t>
-            </a:r>
-          </a:p>
-          <a:p>
-            <a:r>
-              <a:rPr lang="ko-KR" altLang="en-US" sz="2400" dirty="0" err="1"/>
-              <a:t>아쉬운점</a:t>
-            </a:r>
-            <a:endParaRPr lang="en-US" altLang="ko-KR" sz="2400" dirty="0"/>
-          </a:p>
-          <a:p>
-            <a:pPr lvl="1"/>
-            <a:r>
-              <a:rPr lang="ko-KR" altLang="en-US" sz="1800" dirty="0"/>
-              <a:t>팀프로젝트 수행 결과에 대해서 스스로 평가했을 때</a:t>
-            </a:r>
-            <a:r>
-              <a:rPr lang="en-US" altLang="ko-KR" sz="1800" dirty="0"/>
-              <a:t>, </a:t>
-            </a:r>
-            <a:r>
-              <a:rPr lang="ko-KR" altLang="en-US" sz="1800" dirty="0"/>
-              <a:t>아쉬운 점</a:t>
-            </a:r>
-            <a:r>
-              <a:rPr lang="en-US" altLang="ko-KR" sz="1800" dirty="0"/>
-              <a:t>.</a:t>
-            </a:r>
-          </a:p>
-          <a:p>
-            <a:pPr lvl="1"/>
-            <a:r>
-              <a:rPr lang="ko-KR" altLang="en-US" sz="1800" dirty="0"/>
-              <a:t>또는 이 과목 진행 과정에 대해 건의하고 싶은 점 등을 기술하세요</a:t>
-            </a:r>
-            <a:r>
-              <a:rPr lang="en-US" altLang="ko-KR" sz="1800" dirty="0"/>
-              <a:t>.</a:t>
-            </a:r>
-            <a:endParaRPr lang="ko-KR" altLang="en-US" sz="1600" dirty="0"/>
-          </a:p>
-        </p:txBody>
-      </p:sp>
-      <p:sp>
-        <p:nvSpPr>
-          <p:cNvPr id="4" name="슬라이드 번호 개체 틀 3"/>
-          <p:cNvSpPr>
-            <a:spLocks noGrp="1"/>
-          </p:cNvSpPr>
-          <p:nvPr>
-            <p:ph type="sldNum" sz="quarter" idx="12"/>
-          </p:nvPr>
-        </p:nvSpPr>
-        <p:spPr/>
-        <p:txBody>
-          <a:bodyPr/>
-          <a:lstStyle/>
-          <a:p>
-            <a:fld id="{8B13A9AF-F29E-4D48-BC7C-64D5E028A74A}" type="slidenum">
-              <a:rPr lang="ko-KR" altLang="en-US" smtClean="0"/>
-              <a:pPr/>
-              <a:t>36</a:t>
             </a:fld>
             <a:endParaRPr lang="ko-KR" altLang="en-US" dirty="0"/>
           </a:p>
